--- a/Report/Pathfinding (Поиск пути в графе).pptx
+++ b/Report/Pathfinding (Поиск пути в графе).pptx
@@ -169,7 +169,7 @@
           <a:noFill/>
           <a:extLst>
             <a:ext uri="{909E8E84-426E-40dd-AFC4-6F175D3DCCD1}">
-              <a14:hiddenFill xmlns="" xmlns:a14="http://schemas.microsoft.com/office/drawing/2010/main">
+              <a14:hiddenFill xmlns:a14="http://schemas.microsoft.com/office/drawing/2010/main" xmlns="">
                 <a:solidFill>
                   <a:srgbClr val="FFFFFF"/>
                 </a:solidFill>
@@ -229,7 +229,7 @@
             </a:ln>
             <a:extLst>
               <a:ext uri="{91240B29-F687-4f45-9708-019B960494DF}">
-                <a14:hiddenLine xmlns="" xmlns:a14="http://schemas.microsoft.com/office/drawing/2010/main" w="9525">
+                <a14:hiddenLine xmlns:a14="http://schemas.microsoft.com/office/drawing/2010/main" xmlns="" w="9525">
                   <a:solidFill>
                     <a:srgbClr val="000000"/>
                   </a:solidFill>
@@ -319,7 +319,7 @@
             </a:ln>
             <a:extLst>
               <a:ext uri="{91240B29-F687-4f45-9708-019B960494DF}">
-                <a14:hiddenLine xmlns="" xmlns:a14="http://schemas.microsoft.com/office/drawing/2010/main" w="9525">
+                <a14:hiddenLine xmlns:a14="http://schemas.microsoft.com/office/drawing/2010/main" xmlns="" w="9525">
                   <a:solidFill>
                     <a:srgbClr val="000000"/>
                   </a:solidFill>
@@ -409,7 +409,7 @@
             </a:ln>
             <a:extLst>
               <a:ext uri="{91240B29-F687-4f45-9708-019B960494DF}">
-                <a14:hiddenLine xmlns="" xmlns:a14="http://schemas.microsoft.com/office/drawing/2010/main" w="9525">
+                <a14:hiddenLine xmlns:a14="http://schemas.microsoft.com/office/drawing/2010/main" xmlns="" w="9525">
                   <a:solidFill>
                     <a:srgbClr val="000000"/>
                   </a:solidFill>
@@ -443,7 +443,7 @@
             </a:ln>
             <a:extLst>
               <a:ext uri="{91240B29-F687-4f45-9708-019B960494DF}">
-                <a14:hiddenLine xmlns="" xmlns:a14="http://schemas.microsoft.com/office/drawing/2010/main" w="9525">
+                <a14:hiddenLine xmlns:a14="http://schemas.microsoft.com/office/drawing/2010/main" xmlns="" w="9525">
                   <a:solidFill>
                     <a:srgbClr val="000000"/>
                   </a:solidFill>
@@ -533,7 +533,7 @@
             </a:ln>
             <a:extLst>
               <a:ext uri="{91240B29-F687-4f45-9708-019B960494DF}">
-                <a14:hiddenLine xmlns="" xmlns:a14="http://schemas.microsoft.com/office/drawing/2010/main" w="9525">
+                <a14:hiddenLine xmlns:a14="http://schemas.microsoft.com/office/drawing/2010/main" xmlns="" w="9525">
                   <a:solidFill>
                     <a:srgbClr val="000000"/>
                   </a:solidFill>
@@ -595,7 +595,7 @@
             </a:ln>
             <a:extLst>
               <a:ext uri="{91240B29-F687-4f45-9708-019B960494DF}">
-                <a14:hiddenLine xmlns="" xmlns:a14="http://schemas.microsoft.com/office/drawing/2010/main" w="9525">
+                <a14:hiddenLine xmlns:a14="http://schemas.microsoft.com/office/drawing/2010/main" xmlns="" w="9525">
                   <a:solidFill>
                     <a:srgbClr val="000000"/>
                   </a:solidFill>
@@ -657,7 +657,7 @@
             </a:ln>
             <a:extLst>
               <a:ext uri="{91240B29-F687-4f45-9708-019B960494DF}">
-                <a14:hiddenLine xmlns="" xmlns:a14="http://schemas.microsoft.com/office/drawing/2010/main" w="9525">
+                <a14:hiddenLine xmlns:a14="http://schemas.microsoft.com/office/drawing/2010/main" xmlns="" w="9525">
                   <a:solidFill>
                     <a:srgbClr val="000000"/>
                   </a:solidFill>
@@ -747,7 +747,7 @@
             </a:ln>
             <a:extLst>
               <a:ext uri="{91240B29-F687-4f45-9708-019B960494DF}">
-                <a14:hiddenLine xmlns="" xmlns:a14="http://schemas.microsoft.com/office/drawing/2010/main" w="9525">
+                <a14:hiddenLine xmlns:a14="http://schemas.microsoft.com/office/drawing/2010/main" xmlns="" w="9525">
                   <a:solidFill>
                     <a:srgbClr val="000000"/>
                   </a:solidFill>
@@ -809,7 +809,7 @@
             </a:ln>
             <a:extLst>
               <a:ext uri="{91240B29-F687-4f45-9708-019B960494DF}">
-                <a14:hiddenLine xmlns="" xmlns:a14="http://schemas.microsoft.com/office/drawing/2010/main" w="9525">
+                <a14:hiddenLine xmlns:a14="http://schemas.microsoft.com/office/drawing/2010/main" xmlns="" w="9525">
                   <a:solidFill>
                     <a:srgbClr val="000000"/>
                   </a:solidFill>
@@ -871,7 +871,7 @@
             </a:ln>
             <a:extLst>
               <a:ext uri="{91240B29-F687-4f45-9708-019B960494DF}">
-                <a14:hiddenLine xmlns="" xmlns:a14="http://schemas.microsoft.com/office/drawing/2010/main" w="9525">
+                <a14:hiddenLine xmlns:a14="http://schemas.microsoft.com/office/drawing/2010/main" xmlns="" w="9525">
                   <a:solidFill>
                     <a:srgbClr val="000000"/>
                   </a:solidFill>
@@ -961,7 +961,7 @@
             </a:ln>
             <a:extLst>
               <a:ext uri="{91240B29-F687-4f45-9708-019B960494DF}">
-                <a14:hiddenLine xmlns="" xmlns:a14="http://schemas.microsoft.com/office/drawing/2010/main" w="9525">
+                <a14:hiddenLine xmlns:a14="http://schemas.microsoft.com/office/drawing/2010/main" xmlns="" w="9525">
                   <a:solidFill>
                     <a:srgbClr val="000000"/>
                   </a:solidFill>
@@ -1051,7 +1051,7 @@
             </a:ln>
             <a:extLst>
               <a:ext uri="{91240B29-F687-4f45-9708-019B960494DF}">
-                <a14:hiddenLine xmlns="" xmlns:a14="http://schemas.microsoft.com/office/drawing/2010/main" w="9525">
+                <a14:hiddenLine xmlns:a14="http://schemas.microsoft.com/office/drawing/2010/main" xmlns="" w="9525">
                   <a:solidFill>
                     <a:srgbClr val="000000"/>
                   </a:solidFill>
@@ -1113,7 +1113,7 @@
             </a:ln>
             <a:extLst>
               <a:ext uri="{91240B29-F687-4f45-9708-019B960494DF}">
-                <a14:hiddenLine xmlns="" xmlns:a14="http://schemas.microsoft.com/office/drawing/2010/main" w="9525">
+                <a14:hiddenLine xmlns:a14="http://schemas.microsoft.com/office/drawing/2010/main" xmlns="" w="9525">
                   <a:solidFill>
                     <a:srgbClr val="000000"/>
                   </a:solidFill>
@@ -1223,7 +1223,7 @@
             </a:ln>
             <a:extLst>
               <a:ext uri="{91240B29-F687-4f45-9708-019B960494DF}">
-                <a14:hiddenLine xmlns="" xmlns:a14="http://schemas.microsoft.com/office/drawing/2010/main" w="9525">
+                <a14:hiddenLine xmlns:a14="http://schemas.microsoft.com/office/drawing/2010/main" xmlns="" w="9525">
                   <a:solidFill>
                     <a:srgbClr val="000000"/>
                   </a:solidFill>
@@ -1285,7 +1285,7 @@
             </a:ln>
             <a:extLst>
               <a:ext uri="{91240B29-F687-4f45-9708-019B960494DF}">
-                <a14:hiddenLine xmlns="" xmlns:a14="http://schemas.microsoft.com/office/drawing/2010/main" w="9525">
+                <a14:hiddenLine xmlns:a14="http://schemas.microsoft.com/office/drawing/2010/main" xmlns="" w="9525">
                   <a:solidFill>
                     <a:srgbClr val="000000"/>
                   </a:solidFill>
@@ -1375,7 +1375,7 @@
             </a:ln>
             <a:extLst>
               <a:ext uri="{91240B29-F687-4f45-9708-019B960494DF}">
-                <a14:hiddenLine xmlns="" xmlns:a14="http://schemas.microsoft.com/office/drawing/2010/main" w="9525">
+                <a14:hiddenLine xmlns:a14="http://schemas.microsoft.com/office/drawing/2010/main" xmlns="" w="9525">
                   <a:solidFill>
                     <a:srgbClr val="000000"/>
                   </a:solidFill>
@@ -1465,7 +1465,7 @@
             </a:ln>
             <a:extLst>
               <a:ext uri="{91240B29-F687-4f45-9708-019B960494DF}">
-                <a14:hiddenLine xmlns="" xmlns:a14="http://schemas.microsoft.com/office/drawing/2010/main" w="9525">
+                <a14:hiddenLine xmlns:a14="http://schemas.microsoft.com/office/drawing/2010/main" xmlns="" w="9525">
                   <a:solidFill>
                     <a:srgbClr val="000000"/>
                   </a:solidFill>
@@ -1527,7 +1527,7 @@
             </a:ln>
             <a:extLst>
               <a:ext uri="{91240B29-F687-4f45-9708-019B960494DF}">
-                <a14:hiddenLine xmlns="" xmlns:a14="http://schemas.microsoft.com/office/drawing/2010/main" w="9525">
+                <a14:hiddenLine xmlns:a14="http://schemas.microsoft.com/office/drawing/2010/main" xmlns="" w="9525">
                   <a:solidFill>
                     <a:srgbClr val="000000"/>
                   </a:solidFill>
@@ -1617,7 +1617,7 @@
             </a:ln>
             <a:extLst>
               <a:ext uri="{91240B29-F687-4f45-9708-019B960494DF}">
-                <a14:hiddenLine xmlns="" xmlns:a14="http://schemas.microsoft.com/office/drawing/2010/main" w="9525">
+                <a14:hiddenLine xmlns:a14="http://schemas.microsoft.com/office/drawing/2010/main" xmlns="" w="9525">
                   <a:solidFill>
                     <a:srgbClr val="000000"/>
                   </a:solidFill>
@@ -1707,7 +1707,7 @@
             </a:ln>
             <a:extLst>
               <a:ext uri="{91240B29-F687-4f45-9708-019B960494DF}">
-                <a14:hiddenLine xmlns="" xmlns:a14="http://schemas.microsoft.com/office/drawing/2010/main" w="9525">
+                <a14:hiddenLine xmlns:a14="http://schemas.microsoft.com/office/drawing/2010/main" xmlns="" w="9525">
                   <a:solidFill>
                     <a:srgbClr val="000000"/>
                   </a:solidFill>
@@ -1763,7 +1763,7 @@
             </a:ln>
             <a:extLst>
               <a:ext uri="{91240B29-F687-4f45-9708-019B960494DF}">
-                <a14:hiddenLine xmlns="" xmlns:a14="http://schemas.microsoft.com/office/drawing/2010/main" w="9525">
+                <a14:hiddenLine xmlns:a14="http://schemas.microsoft.com/office/drawing/2010/main" xmlns="" w="9525">
                   <a:solidFill>
                     <a:srgbClr val="000000"/>
                   </a:solidFill>
@@ -1853,7 +1853,7 @@
             </a:ln>
             <a:extLst>
               <a:ext uri="{91240B29-F687-4f45-9708-019B960494DF}">
-                <a14:hiddenLine xmlns="" xmlns:a14="http://schemas.microsoft.com/office/drawing/2010/main" w="9525">
+                <a14:hiddenLine xmlns:a14="http://schemas.microsoft.com/office/drawing/2010/main" xmlns="" w="9525">
                   <a:solidFill>
                     <a:srgbClr val="000000"/>
                   </a:solidFill>
@@ -1909,7 +1909,7 @@
             </a:ln>
             <a:extLst>
               <a:ext uri="{91240B29-F687-4f45-9708-019B960494DF}">
-                <a14:hiddenLine xmlns="" xmlns:a14="http://schemas.microsoft.com/office/drawing/2010/main" w="9525">
+                <a14:hiddenLine xmlns:a14="http://schemas.microsoft.com/office/drawing/2010/main" xmlns="" w="9525">
                   <a:solidFill>
                     <a:srgbClr val="000000"/>
                   </a:solidFill>
@@ -1999,7 +1999,7 @@
             </a:ln>
             <a:extLst>
               <a:ext uri="{91240B29-F687-4f45-9708-019B960494DF}">
-                <a14:hiddenLine xmlns="" xmlns:a14="http://schemas.microsoft.com/office/drawing/2010/main" w="9525">
+                <a14:hiddenLine xmlns:a14="http://schemas.microsoft.com/office/drawing/2010/main" xmlns="" w="9525">
                   <a:solidFill>
                     <a:srgbClr val="000000"/>
                   </a:solidFill>
@@ -2067,7 +2067,7 @@
             </a:ln>
             <a:extLst>
               <a:ext uri="{91240B29-F687-4f45-9708-019B960494DF}">
-                <a14:hiddenLine xmlns="" xmlns:a14="http://schemas.microsoft.com/office/drawing/2010/main" w="9525">
+                <a14:hiddenLine xmlns:a14="http://schemas.microsoft.com/office/drawing/2010/main" xmlns="" w="9525">
                   <a:solidFill>
                     <a:srgbClr val="000000"/>
                   </a:solidFill>
@@ -2157,7 +2157,7 @@
             </a:ln>
             <a:extLst>
               <a:ext uri="{91240B29-F687-4f45-9708-019B960494DF}">
-                <a14:hiddenLine xmlns="" xmlns:a14="http://schemas.microsoft.com/office/drawing/2010/main" w="9525">
+                <a14:hiddenLine xmlns:a14="http://schemas.microsoft.com/office/drawing/2010/main" xmlns="" w="9525">
                   <a:solidFill>
                     <a:srgbClr val="000000"/>
                   </a:solidFill>
@@ -2225,7 +2225,7 @@
             </a:ln>
             <a:extLst>
               <a:ext uri="{91240B29-F687-4f45-9708-019B960494DF}">
-                <a14:hiddenLine xmlns="" xmlns:a14="http://schemas.microsoft.com/office/drawing/2010/main" w="9525">
+                <a14:hiddenLine xmlns:a14="http://schemas.microsoft.com/office/drawing/2010/main" xmlns="" w="9525">
                   <a:solidFill>
                     <a:srgbClr val="000000"/>
                   </a:solidFill>
@@ -2315,7 +2315,7 @@
             </a:ln>
             <a:extLst>
               <a:ext uri="{91240B29-F687-4f45-9708-019B960494DF}">
-                <a14:hiddenLine xmlns="" xmlns:a14="http://schemas.microsoft.com/office/drawing/2010/main" w="9525">
+                <a14:hiddenLine xmlns:a14="http://schemas.microsoft.com/office/drawing/2010/main" xmlns="" w="9525">
                   <a:solidFill>
                     <a:srgbClr val="000000"/>
                   </a:solidFill>
@@ -2349,7 +2349,7 @@
             </a:ln>
             <a:extLst>
               <a:ext uri="{91240B29-F687-4f45-9708-019B960494DF}">
-                <a14:hiddenLine xmlns="" xmlns:a14="http://schemas.microsoft.com/office/drawing/2010/main" w="9525">
+                <a14:hiddenLine xmlns:a14="http://schemas.microsoft.com/office/drawing/2010/main" xmlns="" w="9525">
                   <a:solidFill>
                     <a:srgbClr val="000000"/>
                   </a:solidFill>
@@ -2439,7 +2439,7 @@
             </a:ln>
             <a:extLst>
               <a:ext uri="{91240B29-F687-4f45-9708-019B960494DF}">
-                <a14:hiddenLine xmlns="" xmlns:a14="http://schemas.microsoft.com/office/drawing/2010/main" w="9525">
+                <a14:hiddenLine xmlns:a14="http://schemas.microsoft.com/office/drawing/2010/main" xmlns="" w="9525">
                   <a:solidFill>
                     <a:srgbClr val="000000"/>
                   </a:solidFill>
@@ -2501,7 +2501,7 @@
             </a:ln>
             <a:extLst>
               <a:ext uri="{91240B29-F687-4f45-9708-019B960494DF}">
-                <a14:hiddenLine xmlns="" xmlns:a14="http://schemas.microsoft.com/office/drawing/2010/main" w="9525">
+                <a14:hiddenLine xmlns:a14="http://schemas.microsoft.com/office/drawing/2010/main" xmlns="" w="9525">
                   <a:solidFill>
                     <a:srgbClr val="000000"/>
                   </a:solidFill>
@@ -2563,7 +2563,7 @@
             </a:ln>
             <a:extLst>
               <a:ext uri="{91240B29-F687-4f45-9708-019B960494DF}">
-                <a14:hiddenLine xmlns="" xmlns:a14="http://schemas.microsoft.com/office/drawing/2010/main" w="9525">
+                <a14:hiddenLine xmlns:a14="http://schemas.microsoft.com/office/drawing/2010/main" xmlns="" w="9525">
                   <a:solidFill>
                     <a:srgbClr val="000000"/>
                   </a:solidFill>
@@ -2653,7 +2653,7 @@
             </a:ln>
             <a:extLst>
               <a:ext uri="{91240B29-F687-4f45-9708-019B960494DF}">
-                <a14:hiddenLine xmlns="" xmlns:a14="http://schemas.microsoft.com/office/drawing/2010/main" w="9525">
+                <a14:hiddenLine xmlns:a14="http://schemas.microsoft.com/office/drawing/2010/main" xmlns="" w="9525">
                   <a:solidFill>
                     <a:srgbClr val="000000"/>
                   </a:solidFill>
@@ -2721,7 +2721,7 @@
             </a:ln>
             <a:extLst>
               <a:ext uri="{91240B29-F687-4f45-9708-019B960494DF}">
-                <a14:hiddenLine xmlns="" xmlns:a14="http://schemas.microsoft.com/office/drawing/2010/main" w="9525">
+                <a14:hiddenLine xmlns:a14="http://schemas.microsoft.com/office/drawing/2010/main" xmlns="" w="9525">
                   <a:solidFill>
                     <a:srgbClr val="000000"/>
                   </a:solidFill>
@@ -2783,7 +2783,7 @@
             </a:ln>
             <a:extLst>
               <a:ext uri="{91240B29-F687-4f45-9708-019B960494DF}">
-                <a14:hiddenLine xmlns="" xmlns:a14="http://schemas.microsoft.com/office/drawing/2010/main" w="9525">
+                <a14:hiddenLine xmlns:a14="http://schemas.microsoft.com/office/drawing/2010/main" xmlns="" w="9525">
                   <a:solidFill>
                     <a:srgbClr val="000000"/>
                   </a:solidFill>
@@ -2873,7 +2873,7 @@
             </a:ln>
             <a:extLst>
               <a:ext uri="{91240B29-F687-4f45-9708-019B960494DF}">
-                <a14:hiddenLine xmlns="" xmlns:a14="http://schemas.microsoft.com/office/drawing/2010/main" w="9525">
+                <a14:hiddenLine xmlns:a14="http://schemas.microsoft.com/office/drawing/2010/main" xmlns="" w="9525">
                   <a:solidFill>
                     <a:srgbClr val="000000"/>
                   </a:solidFill>
@@ -2935,7 +2935,7 @@
             </a:ln>
             <a:extLst>
               <a:ext uri="{91240B29-F687-4f45-9708-019B960494DF}">
-                <a14:hiddenLine xmlns="" xmlns:a14="http://schemas.microsoft.com/office/drawing/2010/main" w="9525">
+                <a14:hiddenLine xmlns:a14="http://schemas.microsoft.com/office/drawing/2010/main" xmlns="" w="9525">
                   <a:solidFill>
                     <a:srgbClr val="000000"/>
                   </a:solidFill>
@@ -3025,7 +3025,7 @@
             </a:ln>
             <a:extLst>
               <a:ext uri="{91240B29-F687-4f45-9708-019B960494DF}">
-                <a14:hiddenLine xmlns="" xmlns:a14="http://schemas.microsoft.com/office/drawing/2010/main" w="9525">
+                <a14:hiddenLine xmlns:a14="http://schemas.microsoft.com/office/drawing/2010/main" xmlns="" w="9525">
                   <a:solidFill>
                     <a:srgbClr val="000000"/>
                   </a:solidFill>
@@ -3087,7 +3087,7 @@
             </a:ln>
             <a:extLst>
               <a:ext uri="{91240B29-F687-4f45-9708-019B960494DF}">
-                <a14:hiddenLine xmlns="" xmlns:a14="http://schemas.microsoft.com/office/drawing/2010/main" w="9525">
+                <a14:hiddenLine xmlns:a14="http://schemas.microsoft.com/office/drawing/2010/main" xmlns="" w="9525">
                   <a:solidFill>
                     <a:srgbClr val="000000"/>
                   </a:solidFill>
@@ -3177,7 +3177,7 @@
             </a:ln>
             <a:extLst>
               <a:ext uri="{91240B29-F687-4f45-9708-019B960494DF}">
-                <a14:hiddenLine xmlns="" xmlns:a14="http://schemas.microsoft.com/office/drawing/2010/main" w="9525">
+                <a14:hiddenLine xmlns:a14="http://schemas.microsoft.com/office/drawing/2010/main" xmlns="" w="9525">
                   <a:solidFill>
                     <a:srgbClr val="000000"/>
                   </a:solidFill>
@@ -3211,7 +3211,7 @@
             </a:ln>
             <a:extLst>
               <a:ext uri="{91240B29-F687-4f45-9708-019B960494DF}">
-                <a14:hiddenLine xmlns="" xmlns:a14="http://schemas.microsoft.com/office/drawing/2010/main" w="9525">
+                <a14:hiddenLine xmlns:a14="http://schemas.microsoft.com/office/drawing/2010/main" xmlns="" w="9525">
                   <a:solidFill>
                     <a:srgbClr val="000000"/>
                   </a:solidFill>
@@ -3276,7 +3276,7 @@
             </a:ln>
             <a:extLst>
               <a:ext uri="{91240B29-F687-4f45-9708-019B960494DF}">
-                <a14:hiddenLine xmlns="" xmlns:a14="http://schemas.microsoft.com/office/drawing/2010/main" w="9525">
+                <a14:hiddenLine xmlns:a14="http://schemas.microsoft.com/office/drawing/2010/main" xmlns="" w="9525">
                   <a:solidFill>
                     <a:srgbClr val="000000"/>
                   </a:solidFill>
@@ -3366,7 +3366,7 @@
             </a:ln>
             <a:extLst>
               <a:ext uri="{91240B29-F687-4f45-9708-019B960494DF}">
-                <a14:hiddenLine xmlns="" xmlns:a14="http://schemas.microsoft.com/office/drawing/2010/main" w="9525">
+                <a14:hiddenLine xmlns:a14="http://schemas.microsoft.com/office/drawing/2010/main" xmlns="" w="9525">
                   <a:solidFill>
                     <a:srgbClr val="000000"/>
                   </a:solidFill>
@@ -3428,7 +3428,7 @@
             </a:ln>
             <a:extLst>
               <a:ext uri="{91240B29-F687-4f45-9708-019B960494DF}">
-                <a14:hiddenLine xmlns="" xmlns:a14="http://schemas.microsoft.com/office/drawing/2010/main" w="9525">
+                <a14:hiddenLine xmlns:a14="http://schemas.microsoft.com/office/drawing/2010/main" xmlns="" w="9525">
                   <a:solidFill>
                     <a:srgbClr val="000000"/>
                   </a:solidFill>
@@ -3518,7 +3518,7 @@
             </a:ln>
             <a:extLst>
               <a:ext uri="{91240B29-F687-4f45-9708-019B960494DF}">
-                <a14:hiddenLine xmlns="" xmlns:a14="http://schemas.microsoft.com/office/drawing/2010/main" w="9525">
+                <a14:hiddenLine xmlns:a14="http://schemas.microsoft.com/office/drawing/2010/main" xmlns="" w="9525">
                   <a:solidFill>
                     <a:srgbClr val="000000"/>
                   </a:solidFill>
@@ -3608,7 +3608,7 @@
             </a:ln>
             <a:extLst>
               <a:ext uri="{91240B29-F687-4f45-9708-019B960494DF}">
-                <a14:hiddenLine xmlns="" xmlns:a14="http://schemas.microsoft.com/office/drawing/2010/main" w="9525">
+                <a14:hiddenLine xmlns:a14="http://schemas.microsoft.com/office/drawing/2010/main" xmlns="" w="9525">
                   <a:solidFill>
                     <a:srgbClr val="000000"/>
                   </a:solidFill>
@@ -3673,7 +3673,7 @@
             </a:ln>
             <a:extLst>
               <a:ext uri="{91240B29-F687-4f45-9708-019B960494DF}">
-                <a14:hiddenLine xmlns="" xmlns:a14="http://schemas.microsoft.com/office/drawing/2010/main" w="9525">
+                <a14:hiddenLine xmlns:a14="http://schemas.microsoft.com/office/drawing/2010/main" xmlns="" w="9525">
                   <a:solidFill>
                     <a:srgbClr val="000000"/>
                   </a:solidFill>
@@ -3735,7 +3735,7 @@
             </a:ln>
             <a:extLst>
               <a:ext uri="{91240B29-F687-4f45-9708-019B960494DF}">
-                <a14:hiddenLine xmlns="" xmlns:a14="http://schemas.microsoft.com/office/drawing/2010/main" w="9525">
+                <a14:hiddenLine xmlns:a14="http://schemas.microsoft.com/office/drawing/2010/main" xmlns="" w="9525">
                   <a:solidFill>
                     <a:srgbClr val="000000"/>
                   </a:solidFill>
@@ -3825,7 +3825,7 @@
             </a:ln>
             <a:extLst>
               <a:ext uri="{91240B29-F687-4f45-9708-019B960494DF}">
-                <a14:hiddenLine xmlns="" xmlns:a14="http://schemas.microsoft.com/office/drawing/2010/main" w="9525">
+                <a14:hiddenLine xmlns:a14="http://schemas.microsoft.com/office/drawing/2010/main" xmlns="" w="9525">
                   <a:solidFill>
                     <a:srgbClr val="000000"/>
                   </a:solidFill>
@@ -3915,7 +3915,7 @@
             </a:ln>
             <a:extLst>
               <a:ext uri="{91240B29-F687-4f45-9708-019B960494DF}">
-                <a14:hiddenLine xmlns="" xmlns:a14="http://schemas.microsoft.com/office/drawing/2010/main" w="9525">
+                <a14:hiddenLine xmlns:a14="http://schemas.microsoft.com/office/drawing/2010/main" xmlns="" w="9525">
                   <a:solidFill>
                     <a:srgbClr val="000000"/>
                   </a:solidFill>
@@ -3977,7 +3977,7 @@
             </a:ln>
             <a:extLst>
               <a:ext uri="{91240B29-F687-4f45-9708-019B960494DF}">
-                <a14:hiddenLine xmlns="" xmlns:a14="http://schemas.microsoft.com/office/drawing/2010/main" w="9525">
+                <a14:hiddenLine xmlns:a14="http://schemas.microsoft.com/office/drawing/2010/main" xmlns="" w="9525">
                   <a:solidFill>
                     <a:srgbClr val="000000"/>
                   </a:solidFill>
@@ -4097,7 +4097,7 @@
             </a:ln>
             <a:extLst>
               <a:ext uri="{91240B29-F687-4f45-9708-019B960494DF}">
-                <a14:hiddenLine xmlns="" xmlns:a14="http://schemas.microsoft.com/office/drawing/2010/main" w="9525">
+                <a14:hiddenLine xmlns:a14="http://schemas.microsoft.com/office/drawing/2010/main" xmlns="" w="9525">
                   <a:solidFill>
                     <a:srgbClr val="000000"/>
                   </a:solidFill>
@@ -4165,7 +4165,7 @@
             </a:ln>
             <a:extLst>
               <a:ext uri="{91240B29-F687-4f45-9708-019B960494DF}">
-                <a14:hiddenLine xmlns="" xmlns:a14="http://schemas.microsoft.com/office/drawing/2010/main" w="9525">
+                <a14:hiddenLine xmlns:a14="http://schemas.microsoft.com/office/drawing/2010/main" xmlns="" w="9525">
                   <a:solidFill>
                     <a:srgbClr val="000000"/>
                   </a:solidFill>
@@ -4255,7 +4255,7 @@
             </a:ln>
             <a:extLst>
               <a:ext uri="{91240B29-F687-4f45-9708-019B960494DF}">
-                <a14:hiddenLine xmlns="" xmlns:a14="http://schemas.microsoft.com/office/drawing/2010/main" w="9525">
+                <a14:hiddenLine xmlns:a14="http://schemas.microsoft.com/office/drawing/2010/main" xmlns="" w="9525">
                   <a:solidFill>
                     <a:srgbClr val="000000"/>
                   </a:solidFill>
@@ -8977,7 +8977,7 @@
           <a:noFill/>
           <a:extLst>
             <a:ext uri="{909E8E84-426E-40dd-AFC4-6F175D3DCCD1}">
-              <a14:hiddenFill xmlns="" xmlns:a14="http://schemas.microsoft.com/office/drawing/2010/main">
+              <a14:hiddenFill xmlns:a14="http://schemas.microsoft.com/office/drawing/2010/main" xmlns="">
                 <a:solidFill>
                   <a:srgbClr val="FFFFFF"/>
                 </a:solidFill>
@@ -9051,7 +9051,7 @@
               </a:ln>
               <a:extLst>
                 <a:ext uri="{91240B29-F687-4f45-9708-019B960494DF}">
-                  <a14:hiddenLine xmlns="" xmlns:a14="http://schemas.microsoft.com/office/drawing/2010/main" w="9525">
+                  <a14:hiddenLine xmlns:a14="http://schemas.microsoft.com/office/drawing/2010/main" xmlns="" w="9525">
                     <a:solidFill>
                       <a:srgbClr val="000000"/>
                     </a:solidFill>
@@ -9141,7 +9141,7 @@
               </a:ln>
               <a:extLst>
                 <a:ext uri="{91240B29-F687-4f45-9708-019B960494DF}">
-                  <a14:hiddenLine xmlns="" xmlns:a14="http://schemas.microsoft.com/office/drawing/2010/main" w="9525">
+                  <a14:hiddenLine xmlns:a14="http://schemas.microsoft.com/office/drawing/2010/main" xmlns="" w="9525">
                     <a:solidFill>
                       <a:srgbClr val="000000"/>
                     </a:solidFill>
@@ -9231,7 +9231,7 @@
               </a:ln>
               <a:extLst>
                 <a:ext uri="{91240B29-F687-4f45-9708-019B960494DF}">
-                  <a14:hiddenLine xmlns="" xmlns:a14="http://schemas.microsoft.com/office/drawing/2010/main" w="9525">
+                  <a14:hiddenLine xmlns:a14="http://schemas.microsoft.com/office/drawing/2010/main" xmlns="" w="9525">
                     <a:solidFill>
                       <a:srgbClr val="000000"/>
                     </a:solidFill>
@@ -9293,7 +9293,7 @@
               </a:ln>
               <a:extLst>
                 <a:ext uri="{91240B29-F687-4f45-9708-019B960494DF}">
-                  <a14:hiddenLine xmlns="" xmlns:a14="http://schemas.microsoft.com/office/drawing/2010/main" w="9525">
+                  <a14:hiddenLine xmlns:a14="http://schemas.microsoft.com/office/drawing/2010/main" xmlns="" w="9525">
                     <a:solidFill>
                       <a:srgbClr val="000000"/>
                     </a:solidFill>
@@ -9383,7 +9383,7 @@
               </a:ln>
               <a:extLst>
                 <a:ext uri="{91240B29-F687-4f45-9708-019B960494DF}">
-                  <a14:hiddenLine xmlns="" xmlns:a14="http://schemas.microsoft.com/office/drawing/2010/main" w="9525">
+                  <a14:hiddenLine xmlns:a14="http://schemas.microsoft.com/office/drawing/2010/main" xmlns="" w="9525">
                     <a:solidFill>
                       <a:srgbClr val="000000"/>
                     </a:solidFill>
@@ -9445,7 +9445,7 @@
               </a:ln>
               <a:extLst>
                 <a:ext uri="{91240B29-F687-4f45-9708-019B960494DF}">
-                  <a14:hiddenLine xmlns="" xmlns:a14="http://schemas.microsoft.com/office/drawing/2010/main" w="9525">
+                  <a14:hiddenLine xmlns:a14="http://schemas.microsoft.com/office/drawing/2010/main" xmlns="" w="9525">
                     <a:solidFill>
                       <a:srgbClr val="000000"/>
                     </a:solidFill>
@@ -9507,7 +9507,7 @@
               </a:ln>
               <a:extLst>
                 <a:ext uri="{91240B29-F687-4f45-9708-019B960494DF}">
-                  <a14:hiddenLine xmlns="" xmlns:a14="http://schemas.microsoft.com/office/drawing/2010/main" w="9525">
+                  <a14:hiddenLine xmlns:a14="http://schemas.microsoft.com/office/drawing/2010/main" xmlns="" w="9525">
                     <a:solidFill>
                       <a:srgbClr val="000000"/>
                     </a:solidFill>
@@ -9597,7 +9597,7 @@
               </a:ln>
               <a:extLst>
                 <a:ext uri="{91240B29-F687-4f45-9708-019B960494DF}">
-                  <a14:hiddenLine xmlns="" xmlns:a14="http://schemas.microsoft.com/office/drawing/2010/main" w="9525">
+                  <a14:hiddenLine xmlns:a14="http://schemas.microsoft.com/office/drawing/2010/main" xmlns="" w="9525">
                     <a:solidFill>
                       <a:srgbClr val="000000"/>
                     </a:solidFill>
@@ -9687,7 +9687,7 @@
               </a:ln>
               <a:extLst>
                 <a:ext uri="{91240B29-F687-4f45-9708-019B960494DF}">
-                  <a14:hiddenLine xmlns="" xmlns:a14="http://schemas.microsoft.com/office/drawing/2010/main" w="9525">
+                  <a14:hiddenLine xmlns:a14="http://schemas.microsoft.com/office/drawing/2010/main" xmlns="" w="9525">
                     <a:solidFill>
                       <a:srgbClr val="000000"/>
                     </a:solidFill>
@@ -9749,7 +9749,7 @@
               </a:ln>
               <a:extLst>
                 <a:ext uri="{91240B29-F687-4f45-9708-019B960494DF}">
-                  <a14:hiddenLine xmlns="" xmlns:a14="http://schemas.microsoft.com/office/drawing/2010/main" w="9525">
+                  <a14:hiddenLine xmlns:a14="http://schemas.microsoft.com/office/drawing/2010/main" xmlns="" w="9525">
                     <a:solidFill>
                       <a:srgbClr val="000000"/>
                     </a:solidFill>
@@ -9859,7 +9859,7 @@
               </a:ln>
               <a:extLst>
                 <a:ext uri="{91240B29-F687-4f45-9708-019B960494DF}">
-                  <a14:hiddenLine xmlns="" xmlns:a14="http://schemas.microsoft.com/office/drawing/2010/main" w="9525">
+                  <a14:hiddenLine xmlns:a14="http://schemas.microsoft.com/office/drawing/2010/main" xmlns="" w="9525">
                     <a:solidFill>
                       <a:srgbClr val="000000"/>
                     </a:solidFill>
@@ -9943,7 +9943,7 @@
               </a:ln>
               <a:extLst>
                 <a:ext uri="{91240B29-F687-4f45-9708-019B960494DF}">
-                  <a14:hiddenLine xmlns="" xmlns:a14="http://schemas.microsoft.com/office/drawing/2010/main" w="9525">
+                  <a14:hiddenLine xmlns:a14="http://schemas.microsoft.com/office/drawing/2010/main" xmlns="" w="9525">
                     <a:solidFill>
                       <a:srgbClr val="000000"/>
                     </a:solidFill>
@@ -10005,7 +10005,7 @@
               </a:ln>
               <a:extLst>
                 <a:ext uri="{91240B29-F687-4f45-9708-019B960494DF}">
-                  <a14:hiddenLine xmlns="" xmlns:a14="http://schemas.microsoft.com/office/drawing/2010/main" w="9525">
+                  <a14:hiddenLine xmlns:a14="http://schemas.microsoft.com/office/drawing/2010/main" xmlns="" w="9525">
                     <a:solidFill>
                       <a:srgbClr val="000000"/>
                     </a:solidFill>
@@ -10067,7 +10067,7 @@
               </a:ln>
               <a:extLst>
                 <a:ext uri="{91240B29-F687-4f45-9708-019B960494DF}">
-                  <a14:hiddenLine xmlns="" xmlns:a14="http://schemas.microsoft.com/office/drawing/2010/main" w="9525">
+                  <a14:hiddenLine xmlns:a14="http://schemas.microsoft.com/office/drawing/2010/main" xmlns="" w="9525">
                     <a:solidFill>
                       <a:srgbClr val="000000"/>
                     </a:solidFill>
@@ -10157,7 +10157,7 @@
               </a:ln>
               <a:extLst>
                 <a:ext uri="{91240B29-F687-4f45-9708-019B960494DF}">
-                  <a14:hiddenLine xmlns="" xmlns:a14="http://schemas.microsoft.com/office/drawing/2010/main" w="9525">
+                  <a14:hiddenLine xmlns:a14="http://schemas.microsoft.com/office/drawing/2010/main" xmlns="" w="9525">
                     <a:solidFill>
                       <a:srgbClr val="000000"/>
                     </a:solidFill>
@@ -10191,7 +10191,7 @@
               </a:ln>
               <a:extLst>
                 <a:ext uri="{91240B29-F687-4f45-9708-019B960494DF}">
-                  <a14:hiddenLine xmlns="" xmlns:a14="http://schemas.microsoft.com/office/drawing/2010/main" w="9525">
+                  <a14:hiddenLine xmlns:a14="http://schemas.microsoft.com/office/drawing/2010/main" xmlns="" w="9525">
                     <a:solidFill>
                       <a:srgbClr val="000000"/>
                     </a:solidFill>
@@ -10256,7 +10256,7 @@
               </a:ln>
               <a:extLst>
                 <a:ext uri="{91240B29-F687-4f45-9708-019B960494DF}">
-                  <a14:hiddenLine xmlns="" xmlns:a14="http://schemas.microsoft.com/office/drawing/2010/main" w="9525">
+                  <a14:hiddenLine xmlns:a14="http://schemas.microsoft.com/office/drawing/2010/main" xmlns="" w="9525">
                     <a:solidFill>
                       <a:srgbClr val="000000"/>
                     </a:solidFill>
@@ -10346,7 +10346,7 @@
               </a:ln>
               <a:extLst>
                 <a:ext uri="{91240B29-F687-4f45-9708-019B960494DF}">
-                  <a14:hiddenLine xmlns="" xmlns:a14="http://schemas.microsoft.com/office/drawing/2010/main" w="9525">
+                  <a14:hiddenLine xmlns:a14="http://schemas.microsoft.com/office/drawing/2010/main" xmlns="" w="9525">
                     <a:solidFill>
                       <a:srgbClr val="000000"/>
                     </a:solidFill>
@@ -10408,7 +10408,7 @@
               </a:ln>
               <a:extLst>
                 <a:ext uri="{91240B29-F687-4f45-9708-019B960494DF}">
-                  <a14:hiddenLine xmlns="" xmlns:a14="http://schemas.microsoft.com/office/drawing/2010/main" w="9525">
+                  <a14:hiddenLine xmlns:a14="http://schemas.microsoft.com/office/drawing/2010/main" xmlns="" w="9525">
                     <a:solidFill>
                       <a:srgbClr val="000000"/>
                     </a:solidFill>
@@ -10498,7 +10498,7 @@
               </a:ln>
               <a:extLst>
                 <a:ext uri="{91240B29-F687-4f45-9708-019B960494DF}">
-                  <a14:hiddenLine xmlns="" xmlns:a14="http://schemas.microsoft.com/office/drawing/2010/main" w="9525">
+                  <a14:hiddenLine xmlns:a14="http://schemas.microsoft.com/office/drawing/2010/main" xmlns="" w="9525">
                     <a:solidFill>
                       <a:srgbClr val="000000"/>
                     </a:solidFill>
@@ -10563,7 +10563,7 @@
               </a:ln>
               <a:extLst>
                 <a:ext uri="{91240B29-F687-4f45-9708-019B960494DF}">
-                  <a14:hiddenLine xmlns="" xmlns:a14="http://schemas.microsoft.com/office/drawing/2010/main" w="9525">
+                  <a14:hiddenLine xmlns:a14="http://schemas.microsoft.com/office/drawing/2010/main" xmlns="" w="9525">
                     <a:solidFill>
                       <a:srgbClr val="000000"/>
                     </a:solidFill>
@@ -10625,7 +10625,7 @@
               </a:ln>
               <a:extLst>
                 <a:ext uri="{91240B29-F687-4f45-9708-019B960494DF}">
-                  <a14:hiddenLine xmlns="" xmlns:a14="http://schemas.microsoft.com/office/drawing/2010/main" w="9525">
+                  <a14:hiddenLine xmlns:a14="http://schemas.microsoft.com/office/drawing/2010/main" xmlns="" w="9525">
                     <a:solidFill>
                       <a:srgbClr val="000000"/>
                     </a:solidFill>
@@ -10715,7 +10715,7 @@
               </a:ln>
               <a:extLst>
                 <a:ext uri="{91240B29-F687-4f45-9708-019B960494DF}">
-                  <a14:hiddenLine xmlns="" xmlns:a14="http://schemas.microsoft.com/office/drawing/2010/main" w="9525">
+                  <a14:hiddenLine xmlns:a14="http://schemas.microsoft.com/office/drawing/2010/main" xmlns="" w="9525">
                     <a:solidFill>
                       <a:srgbClr val="000000"/>
                     </a:solidFill>
@@ -10805,7 +10805,7 @@
               </a:ln>
               <a:extLst>
                 <a:ext uri="{91240B29-F687-4f45-9708-019B960494DF}">
-                  <a14:hiddenLine xmlns="" xmlns:a14="http://schemas.microsoft.com/office/drawing/2010/main" w="9525">
+                  <a14:hiddenLine xmlns:a14="http://schemas.microsoft.com/office/drawing/2010/main" xmlns="" w="9525">
                     <a:solidFill>
                       <a:srgbClr val="000000"/>
                     </a:solidFill>
@@ -10870,7 +10870,7 @@
               </a:ln>
               <a:extLst>
                 <a:ext uri="{91240B29-F687-4f45-9708-019B960494DF}">
-                  <a14:hiddenLine xmlns="" xmlns:a14="http://schemas.microsoft.com/office/drawing/2010/main" w="9525">
+                  <a14:hiddenLine xmlns:a14="http://schemas.microsoft.com/office/drawing/2010/main" xmlns="" w="9525">
                     <a:solidFill>
                       <a:srgbClr val="000000"/>
                     </a:solidFill>
@@ -10990,7 +10990,7 @@
               </a:ln>
               <a:extLst>
                 <a:ext uri="{91240B29-F687-4f45-9708-019B960494DF}">
-                  <a14:hiddenLine xmlns="" xmlns:a14="http://schemas.microsoft.com/office/drawing/2010/main" w="9525">
+                  <a14:hiddenLine xmlns:a14="http://schemas.microsoft.com/office/drawing/2010/main" xmlns="" w="9525">
                     <a:solidFill>
                       <a:srgbClr val="000000"/>
                     </a:solidFill>
@@ -11088,7 +11088,7 @@
               </a:ln>
               <a:extLst>
                 <a:ext uri="{91240B29-F687-4f45-9708-019B960494DF}">
-                  <a14:hiddenLine xmlns="" xmlns:a14="http://schemas.microsoft.com/office/drawing/2010/main" w="9525">
+                  <a14:hiddenLine xmlns:a14="http://schemas.microsoft.com/office/drawing/2010/main" xmlns="" w="9525">
                     <a:solidFill>
                       <a:srgbClr val="000000"/>
                     </a:solidFill>
@@ -11203,7 +11203,7 @@
               </a:ln>
               <a:extLst>
                 <a:ext uri="{91240B29-F687-4f45-9708-019B960494DF}">
-                  <a14:hiddenLine xmlns="" xmlns:a14="http://schemas.microsoft.com/office/drawing/2010/main" w="9525">
+                  <a14:hiddenLine xmlns:a14="http://schemas.microsoft.com/office/drawing/2010/main" xmlns="" w="9525">
                     <a:solidFill>
                       <a:srgbClr val="000000"/>
                     </a:solidFill>
@@ -11293,7 +11293,7 @@
               </a:ln>
               <a:extLst>
                 <a:ext uri="{91240B29-F687-4f45-9708-019B960494DF}">
-                  <a14:hiddenLine xmlns="" xmlns:a14="http://schemas.microsoft.com/office/drawing/2010/main" w="9525">
+                  <a14:hiddenLine xmlns:a14="http://schemas.microsoft.com/office/drawing/2010/main" xmlns="" w="9525">
                     <a:solidFill>
                       <a:srgbClr val="000000"/>
                     </a:solidFill>
@@ -11358,7 +11358,7 @@
               </a:ln>
               <a:extLst>
                 <a:ext uri="{91240B29-F687-4f45-9708-019B960494DF}">
-                  <a14:hiddenLine xmlns="" xmlns:a14="http://schemas.microsoft.com/office/drawing/2010/main" w="9525">
+                  <a14:hiddenLine xmlns:a14="http://schemas.microsoft.com/office/drawing/2010/main" xmlns="" w="9525">
                     <a:solidFill>
                       <a:srgbClr val="000000"/>
                     </a:solidFill>
@@ -11448,7 +11448,7 @@
               </a:ln>
               <a:extLst>
                 <a:ext uri="{91240B29-F687-4f45-9708-019B960494DF}">
-                  <a14:hiddenLine xmlns="" xmlns:a14="http://schemas.microsoft.com/office/drawing/2010/main" w="9525">
+                  <a14:hiddenLine xmlns:a14="http://schemas.microsoft.com/office/drawing/2010/main" xmlns="" w="9525">
                     <a:solidFill>
                       <a:srgbClr val="000000"/>
                     </a:solidFill>
@@ -11516,7 +11516,7 @@
               </a:ln>
               <a:extLst>
                 <a:ext uri="{91240B29-F687-4f45-9708-019B960494DF}">
-                  <a14:hiddenLine xmlns="" xmlns:a14="http://schemas.microsoft.com/office/drawing/2010/main" w="9525">
+                  <a14:hiddenLine xmlns:a14="http://schemas.microsoft.com/office/drawing/2010/main" xmlns="" w="9525">
                     <a:solidFill>
                       <a:srgbClr val="000000"/>
                     </a:solidFill>
@@ -11606,7 +11606,7 @@
               </a:ln>
               <a:extLst>
                 <a:ext uri="{91240B29-F687-4f45-9708-019B960494DF}">
-                  <a14:hiddenLine xmlns="" xmlns:a14="http://schemas.microsoft.com/office/drawing/2010/main" w="9525">
+                  <a14:hiddenLine xmlns:a14="http://schemas.microsoft.com/office/drawing/2010/main" xmlns="" w="9525">
                     <a:solidFill>
                       <a:srgbClr val="000000"/>
                     </a:solidFill>
@@ -11674,7 +11674,7 @@
               </a:ln>
               <a:extLst>
                 <a:ext uri="{91240B29-F687-4f45-9708-019B960494DF}">
-                  <a14:hiddenLine xmlns="" xmlns:a14="http://schemas.microsoft.com/office/drawing/2010/main" w="9525">
+                  <a14:hiddenLine xmlns:a14="http://schemas.microsoft.com/office/drawing/2010/main" xmlns="" w="9525">
                     <a:solidFill>
                       <a:srgbClr val="000000"/>
                     </a:solidFill>
@@ -11764,7 +11764,7 @@
               </a:ln>
               <a:extLst>
                 <a:ext uri="{91240B29-F687-4f45-9708-019B960494DF}">
-                  <a14:hiddenLine xmlns="" xmlns:a14="http://schemas.microsoft.com/office/drawing/2010/main" w="9525">
+                  <a14:hiddenLine xmlns:a14="http://schemas.microsoft.com/office/drawing/2010/main" xmlns="" w="9525">
                     <a:solidFill>
                       <a:srgbClr val="000000"/>
                     </a:solidFill>
@@ -11798,7 +11798,7 @@
               </a:ln>
               <a:extLst>
                 <a:ext uri="{91240B29-F687-4f45-9708-019B960494DF}">
-                  <a14:hiddenLine xmlns="" xmlns:a14="http://schemas.microsoft.com/office/drawing/2010/main" w="9525">
+                  <a14:hiddenLine xmlns:a14="http://schemas.microsoft.com/office/drawing/2010/main" xmlns="" w="9525">
                     <a:solidFill>
                       <a:srgbClr val="000000"/>
                     </a:solidFill>
@@ -12505,7 +12505,7 @@
         </p:spPr>
         <p:txBody>
           <a:bodyPr>
-            <a:normAutofit fontScale="92500" lnSpcReduction="20000"/>
+            <a:normAutofit fontScale="85000" lnSpcReduction="10000"/>
           </a:bodyPr>
           <a:lstStyle/>
           <a:p>
@@ -12513,19 +12513,7 @@
               <a:rPr lang="ru-RU" dirty="0" smtClean="0">
                 <a:latin typeface="Trebuchet MS" panose="020B0603020202020204" pitchFamily="34" charset="0"/>
               </a:rPr>
-              <a:t>Дана </a:t>
-            </a:r>
-            <a:r>
-              <a:rPr lang="ru-RU" dirty="0" smtClean="0">
-                <a:latin typeface="Trebuchet MS" panose="020B0603020202020204" pitchFamily="34" charset="0"/>
-              </a:rPr>
-              <a:t>карта </a:t>
-            </a:r>
-            <a:r>
-              <a:rPr lang="ru-RU" dirty="0" smtClean="0">
-                <a:latin typeface="Trebuchet MS" panose="020B0603020202020204" pitchFamily="34" charset="0"/>
-              </a:rPr>
-              <a:t>из </a:t>
+              <a:t>Дана карта из </a:t>
             </a:r>
             <a:r>
               <a:rPr lang="en-US" dirty="0" smtClean="0">
@@ -12537,17 +12525,26 @@
               <a:rPr lang="ru-RU" dirty="0" smtClean="0">
                 <a:latin typeface="Trebuchet MS" panose="020B0603020202020204" pitchFamily="34" charset="0"/>
               </a:rPr>
-              <a:t>квадратных клеток. Каждая клетка может быть либо проходом, либо стеной, либо клеткой с повышенной стоимостью движения, а также координаты начальной клетки и цели. Требуется найти оптимальный путь от начальной клетки к целевой</a:t>
+              <a:t>квадратных клеток. Каждая клетка может быть либо </a:t>
             </a:r>
             <a:r>
               <a:rPr lang="ru-RU" dirty="0" smtClean="0">
                 <a:latin typeface="Trebuchet MS" panose="020B0603020202020204" pitchFamily="34" charset="0"/>
               </a:rPr>
-              <a:t>. Карта хранится как двумерная матрица из клеток.</a:t>
-            </a:r>
-            <a:endParaRPr lang="ru-RU" dirty="0" smtClean="0">
-              <a:latin typeface="Trebuchet MS" panose="020B0603020202020204" pitchFamily="34" charset="0"/>
-            </a:endParaRPr>
+              <a:t>пустой</a:t>
+            </a:r>
+            <a:r>
+              <a:rPr lang="ru-RU" dirty="0" smtClean="0">
+                <a:latin typeface="Trebuchet MS" panose="020B0603020202020204" pitchFamily="34" charset="0"/>
+              </a:rPr>
+              <a:t>, </a:t>
+            </a:r>
+            <a:r>
+              <a:rPr lang="ru-RU" dirty="0" smtClean="0">
+                <a:latin typeface="Trebuchet MS" panose="020B0603020202020204" pitchFamily="34" charset="0"/>
+              </a:rPr>
+              <a:t>либо стеной, либо клеткой с повышенной стоимостью движения, а также координаты начальной клетки и цели. Требуется найти оптимальный путь от начальной клетки к целевой. Карта хранится как двумерная матрица из клеток.</a:t>
+            </a:r>
           </a:p>
           <a:p>
             <a:r>
@@ -12560,7 +12557,19 @@
               <a:rPr lang="ru-RU" dirty="0" smtClean="0">
                 <a:latin typeface="Trebuchet MS" panose="020B0603020202020204" pitchFamily="34" charset="0"/>
               </a:rPr>
-              <a:t>карта.</a:t>
+              <a:t>матрица из </a:t>
+            </a:r>
+            <a:r>
+              <a:rPr lang="en-US" dirty="0" smtClean="0">
+                <a:latin typeface="Trebuchet MS" panose="020B0603020202020204" pitchFamily="34" charset="0"/>
+              </a:rPr>
+              <a:t>n * m </a:t>
+            </a:r>
+            <a:r>
+              <a:rPr lang="ru-RU" dirty="0" smtClean="0">
+                <a:latin typeface="Trebuchet MS" panose="020B0603020202020204" pitchFamily="34" charset="0"/>
+              </a:rPr>
+              <a:t>клеток.</a:t>
             </a:r>
             <a:endParaRPr lang="ru-RU" dirty="0" smtClean="0">
               <a:latin typeface="Trebuchet MS" panose="020B0603020202020204" pitchFamily="34" charset="0"/>
@@ -12577,7 +12586,19 @@
               <a:rPr lang="ru-RU" dirty="0" smtClean="0">
                 <a:latin typeface="Trebuchet MS" panose="020B0603020202020204" pitchFamily="34" charset="0"/>
               </a:rPr>
-              <a:t>путь от начальной клетки к целевой клетке, найденный по одному из 5 алгоритмов, либо сообщение, что его не существует.</a:t>
+              <a:t>путь от начальной клетки к целевой </a:t>
+            </a:r>
+            <a:r>
+              <a:rPr lang="ru-RU" dirty="0" smtClean="0">
+                <a:latin typeface="Trebuchet MS" panose="020B0603020202020204" pitchFamily="34" charset="0"/>
+              </a:rPr>
+              <a:t>клетке (список вершин, которые нужно последовательно посетить), </a:t>
+            </a:r>
+            <a:r>
+              <a:rPr lang="ru-RU" dirty="0" smtClean="0">
+                <a:latin typeface="Trebuchet MS" panose="020B0603020202020204" pitchFamily="34" charset="0"/>
+              </a:rPr>
+              <a:t>найденный по одному из 5 алгоритмов, либо сообщение, что его не существует.</a:t>
             </a:r>
             <a:endParaRPr lang="ru-RU" dirty="0">
               <a:latin typeface="Trebuchet MS" panose="020B0603020202020204" pitchFamily="34" charset="0"/>
@@ -12701,7 +12722,7 @@
         </p:spPr>
         <p:txBody>
           <a:bodyPr>
-            <a:normAutofit fontScale="92500" lnSpcReduction="20000"/>
+            <a:normAutofit fontScale="85000" lnSpcReduction="20000"/>
           </a:bodyPr>
           <a:lstStyle/>
           <a:p>
@@ -12709,13 +12730,56 @@
               <a:rPr lang="ru-RU" dirty="0" smtClean="0">
                 <a:latin typeface="Trebuchet MS" panose="020B0603020202020204" pitchFamily="34" charset="0"/>
               </a:rPr>
-              <a:t>Карту </a:t>
+              <a:t>Карту из квадратных клеток можно представить как граф, в котором клетки соответствуют вершинам. Соседние клетки связаны между собой </a:t>
             </a:r>
             <a:r>
               <a:rPr lang="ru-RU" dirty="0" smtClean="0">
                 <a:latin typeface="Trebuchet MS" panose="020B0603020202020204" pitchFamily="34" charset="0"/>
               </a:rPr>
-              <a:t>из квадратных клеток можно представить как граф, в котором клетки соответствуют вершинам. Соседние клетки связаны между собой ребром, имеющим вес 1. Клетки с повышенной стоимостью движения связаны с соседними клетками рёбрами, имеющими вес, больший 1. По желанию пользователя клетки, соприкасающиеся углами, также могут быть связаны между собой.</a:t>
+              <a:t>ребрами, имеющими вес </a:t>
+            </a:r>
+            <a:r>
+              <a:rPr lang="ru-RU" dirty="0" smtClean="0">
+                <a:latin typeface="Trebuchet MS" panose="020B0603020202020204" pitchFamily="34" charset="0"/>
+              </a:rPr>
+              <a:t>1. </a:t>
+            </a:r>
+            <a:endParaRPr lang="ru-RU" dirty="0" smtClean="0">
+              <a:latin typeface="Trebuchet MS" panose="020B0603020202020204" pitchFamily="34" charset="0"/>
+            </a:endParaRPr>
+          </a:p>
+          <a:p>
+            <a:r>
+              <a:rPr lang="ru-RU" dirty="0" smtClean="0">
+                <a:latin typeface="Trebuchet MS" panose="020B0603020202020204" pitchFamily="34" charset="0"/>
+              </a:rPr>
+              <a:t>Клетки </a:t>
+            </a:r>
+            <a:r>
+              <a:rPr lang="ru-RU" dirty="0" smtClean="0">
+                <a:latin typeface="Trebuchet MS" panose="020B0603020202020204" pitchFamily="34" charset="0"/>
+              </a:rPr>
+              <a:t>с повышенной стоимостью движения связаны с соседними клетками рёбрами, имеющими вес, больший 1</a:t>
+            </a:r>
+            <a:r>
+              <a:rPr lang="ru-RU" dirty="0" smtClean="0">
+                <a:latin typeface="Trebuchet MS" panose="020B0603020202020204" pitchFamily="34" charset="0"/>
+              </a:rPr>
+              <a:t>.</a:t>
+            </a:r>
+          </a:p>
+          <a:p>
+            <a:r>
+              <a:rPr lang="ru-RU" dirty="0" smtClean="0">
+                <a:latin typeface="Trebuchet MS" panose="020B0603020202020204" pitchFamily="34" charset="0"/>
+              </a:rPr>
+              <a:t>По </a:t>
+            </a:r>
+            <a:r>
+              <a:rPr lang="ru-RU" dirty="0" smtClean="0">
+                <a:latin typeface="Trebuchet MS" panose="020B0603020202020204" pitchFamily="34" charset="0"/>
+              </a:rPr>
+              <a:t>желанию пользователя клетки, соприкасающиеся углами, также могут быть связаны между собой.</a:t>
             </a:r>
             <a:endParaRPr lang="ru-RU" dirty="0">
               <a:latin typeface="Trebuchet MS" panose="020B0603020202020204" pitchFamily="34" charset="0"/>
@@ -12857,11 +12921,20 @@
           </a:bodyPr>
           <a:lstStyle/>
           <a:p>
+            <a:pPr marL="0" indent="0">
+              <a:buNone/>
+            </a:pPr>
             <a:r>
               <a:rPr lang="ru-RU" dirty="0" smtClean="0">
                 <a:latin typeface="Trebuchet MS" panose="020B0603020202020204" pitchFamily="34" charset="0"/>
               </a:rPr>
-              <a:t>Путь находится по одному из 5 алгоритмов поиска пути в графе:</a:t>
+              <a:t>Путь находится по одному из 5 алгоритмов поиска пути в </a:t>
+            </a:r>
+            <a:r>
+              <a:rPr lang="ru-RU" dirty="0" smtClean="0">
+                <a:latin typeface="Trebuchet MS" panose="020B0603020202020204" pitchFamily="34" charset="0"/>
+              </a:rPr>
+              <a:t>графе:</a:t>
             </a:r>
           </a:p>
           <a:p>
@@ -12891,7 +12964,13 @@
               <a:rPr lang="ru-RU" dirty="0" smtClean="0">
                 <a:latin typeface="Trebuchet MS" panose="020B0603020202020204" pitchFamily="34" charset="0"/>
               </a:rPr>
-              <a:t>Поиск в ширину (</a:t>
+              <a:t>Поиск </a:t>
+            </a:r>
+            <a:r>
+              <a:rPr lang="ru-RU" dirty="0" smtClean="0">
+                <a:latin typeface="Trebuchet MS" panose="020B0603020202020204" pitchFamily="34" charset="0"/>
+              </a:rPr>
+              <a:t>в ширину (</a:t>
             </a:r>
             <a:r>
               <a:rPr lang="en-US" dirty="0" smtClean="0">
@@ -13082,7 +13161,7 @@
         </p:blipFill>
         <p:spPr>
           <a:xfrm>
-            <a:off x="9947633" y="1316038"/>
+            <a:off x="9947633" y="1256110"/>
             <a:ext cx="1866900" cy="1562100"/>
           </a:xfrm>
           <a:prstGeom prst="rect">
@@ -13380,7 +13459,13 @@
               <a:rPr lang="ru-RU" cap="small" dirty="0" smtClean="0">
                 <a:latin typeface="Trebuchet MS" panose="020B0603020202020204" pitchFamily="34" charset="0"/>
               </a:rPr>
-              <a:t>Функции программы</a:t>
+              <a:t>Интерфейс </a:t>
+            </a:r>
+            <a:r>
+              <a:rPr lang="ru-RU" cap="small" dirty="0" smtClean="0">
+                <a:latin typeface="Trebuchet MS" panose="020B0603020202020204" pitchFamily="34" charset="0"/>
+              </a:rPr>
+              <a:t>программы</a:t>
             </a:r>
             <a:endParaRPr lang="ru-RU" cap="small" dirty="0">
               <a:latin typeface="Trebuchet MS" panose="020B0603020202020204" pitchFamily="34" charset="0"/>
@@ -13445,33 +13530,7 @@
                 </a:uFill>
                 <a:latin typeface="Trebuchet MS" panose="020B0603020202020204" pitchFamily="34" charset="0"/>
               </a:rPr>
-              <a:t>Рисование </a:t>
-            </a:r>
-            <a:r>
-              <a:rPr lang="ru-RU" sz="1200" u="heavy" dirty="0" smtClean="0">
-                <a:uFill>
-                  <a:solidFill>
-                    <a:schemeClr val="tx1">
-                      <a:lumMod val="65000"/>
-                    </a:schemeClr>
-                  </a:solidFill>
-                </a:uFill>
-                <a:latin typeface="Trebuchet MS" panose="020B0603020202020204" pitchFamily="34" charset="0"/>
-              </a:rPr>
-              <a:t>карты </a:t>
-            </a:r>
-            <a:r>
-              <a:rPr lang="ru-RU" sz="1200" u="heavy" dirty="0" smtClean="0">
-                <a:uFill>
-                  <a:solidFill>
-                    <a:schemeClr val="tx1">
-                      <a:lumMod val="65000"/>
-                    </a:schemeClr>
-                  </a:solidFill>
-                </a:uFill>
-                <a:latin typeface="Trebuchet MS" panose="020B0603020202020204" pitchFamily="34" charset="0"/>
-              </a:rPr>
-              <a:t>с помощью курсора</a:t>
+              <a:t>Рисование карты с помощью курсора</a:t>
             </a:r>
             <a:endParaRPr lang="ru-RU" sz="1200" u="heavy" dirty="0">
               <a:uFill>
@@ -13811,20 +13870,7 @@
                 </a:uFill>
                 <a:latin typeface="Trebuchet MS" panose="020B0603020202020204" pitchFamily="34" charset="0"/>
               </a:rPr>
-              <a:t>Сгенерировать </a:t>
-            </a:r>
-            <a:r>
-              <a:rPr lang="ru-RU" sz="1200" u="heavy" dirty="0" smtClean="0">
-                <a:uFill>
-                  <a:solidFill>
-                    <a:schemeClr val="tx1">
-                      <a:lumMod val="65000"/>
-                    </a:schemeClr>
-                  </a:solidFill>
-                </a:uFill>
-                <a:latin typeface="Trebuchet MS" panose="020B0603020202020204" pitchFamily="34" charset="0"/>
-              </a:rPr>
-              <a:t>случайную карту</a:t>
+              <a:t>Сгенерировать случайную карту</a:t>
             </a:r>
             <a:endParaRPr lang="ru-RU" sz="1200" u="heavy" dirty="0">
               <a:uFill>
@@ -14648,20 +14694,7 @@
                 </a:uFill>
                 <a:latin typeface="Trebuchet MS" panose="020B0603020202020204" pitchFamily="34" charset="0"/>
               </a:rPr>
-              <a:t>Размер </a:t>
-            </a:r>
-            <a:r>
-              <a:rPr lang="ru-RU" sz="1200" u="heavy" dirty="0" smtClean="0">
-                <a:uFill>
-                  <a:solidFill>
-                    <a:schemeClr val="tx1">
-                      <a:lumMod val="65000"/>
-                    </a:schemeClr>
-                  </a:solidFill>
-                </a:uFill>
-                <a:latin typeface="Trebuchet MS" panose="020B0603020202020204" pitchFamily="34" charset="0"/>
-              </a:rPr>
-              <a:t>карты</a:t>
+              <a:t>Размер карты</a:t>
             </a:r>
             <a:endParaRPr lang="ru-RU" sz="1200" u="heavy" dirty="0">
               <a:uFill>
@@ -14769,13 +14802,7 @@
               <a:rPr lang="ru-RU" cap="small" dirty="0" smtClean="0">
                 <a:latin typeface="Trebuchet MS" panose="020B0603020202020204" pitchFamily="34" charset="0"/>
               </a:rPr>
-              <a:t>Генерация случайной </a:t>
-            </a:r>
-            <a:r>
-              <a:rPr lang="ru-RU" cap="small" dirty="0" smtClean="0">
-                <a:latin typeface="Trebuchet MS" panose="020B0603020202020204" pitchFamily="34" charset="0"/>
-              </a:rPr>
-              <a:t>карты</a:t>
+              <a:t>Генерация случайной карты</a:t>
             </a:r>
             <a:endParaRPr lang="ru-RU" cap="small" dirty="0">
               <a:latin typeface="Trebuchet MS" panose="020B0603020202020204" pitchFamily="34" charset="0"/>
@@ -15110,7 +15137,7 @@
         <p:spPr>
           <a:xfrm>
             <a:off x="4992783" y="5846983"/>
-            <a:ext cx="5158785" cy="369332"/>
+            <a:ext cx="5856090" cy="369332"/>
           </a:xfrm>
           <a:prstGeom prst="rect">
             <a:avLst/>
@@ -15127,7 +15154,13 @@
               <a:rPr lang="ru-RU" dirty="0" smtClean="0">
                 <a:latin typeface="Trebuchet MS" panose="020B0603020202020204" pitchFamily="34" charset="0"/>
               </a:rPr>
-              <a:t>Генерация с клетками повышенной стоимости</a:t>
+              <a:t>Генерация карты </a:t>
+            </a:r>
+            <a:r>
+              <a:rPr lang="ru-RU" dirty="0" smtClean="0">
+                <a:latin typeface="Trebuchet MS" panose="020B0603020202020204" pitchFamily="34" charset="0"/>
+              </a:rPr>
+              <a:t>с клетками повышенной стоимости</a:t>
             </a:r>
             <a:endParaRPr lang="ru-RU" dirty="0">
               <a:latin typeface="Trebuchet MS" panose="020B0603020202020204" pitchFamily="34" charset="0"/>
@@ -15304,7 +15337,13 @@
               <a:rPr lang="ru-RU" dirty="0" smtClean="0">
                 <a:latin typeface="Trebuchet MS" panose="020B0603020202020204" pitchFamily="34" charset="0"/>
               </a:rPr>
-              <a:t>Нахождение пути</a:t>
+              <a:t>Поиск </a:t>
+            </a:r>
+            <a:r>
+              <a:rPr lang="ru-RU" dirty="0" smtClean="0">
+                <a:latin typeface="Trebuchet MS" panose="020B0603020202020204" pitchFamily="34" charset="0"/>
+              </a:rPr>
+              <a:t>пути</a:t>
             </a:r>
           </a:p>
           <a:p>
@@ -15377,8 +15416,8 @@
         </p:nvSpPr>
         <p:spPr>
           <a:xfrm>
-            <a:off x="3854677" y="6452156"/>
-            <a:ext cx="4110421" cy="369332"/>
+            <a:off x="3970095" y="6452156"/>
+            <a:ext cx="3879588" cy="369332"/>
           </a:xfrm>
           <a:prstGeom prst="rect">
             <a:avLst/>
@@ -15396,7 +15435,13 @@
               <a:rPr lang="ru-RU" dirty="0" smtClean="0">
                 <a:latin typeface="Trebuchet MS" panose="020B0603020202020204" pitchFamily="34" charset="0"/>
               </a:rPr>
-              <a:t>Разрешение двигаться по диагонали</a:t>
+              <a:t>Режим с движением </a:t>
+            </a:r>
+            <a:r>
+              <a:rPr lang="ru-RU" dirty="0" smtClean="0">
+                <a:latin typeface="Trebuchet MS" panose="020B0603020202020204" pitchFamily="34" charset="0"/>
+              </a:rPr>
+              <a:t>по диагонали</a:t>
             </a:r>
             <a:endParaRPr lang="ru-RU" dirty="0">
               <a:latin typeface="Trebuchet MS" panose="020B0603020202020204" pitchFamily="34" charset="0"/>
